--- a/lectures/CSE8AW20-01-28-Lec7-Now-Java/CSE8AW20-01-28-Lec7-Now-Java-slides.pptx
+++ b/lectures/CSE8AW20-01-28-Lec7-Now-Java/CSE8AW20-01-28-Lec7-Now-Java-slides.pptx
@@ -6597,6 +6597,38 @@
               <a:rPr lang="en-US" dirty="0"/>
               <a:t>PA3 (Working with CSV data) tonight!</a:t>
             </a:r>
+          </a:p>
+          <a:p>
+            <a:pPr lvl="1"/>
+            <a:r>
+              <a:rPr lang="en-US" dirty="0">
+                <a:latin typeface="Calibri" panose="020F0502020204030204" pitchFamily="34" charset="0"/>
+                <a:cs typeface="Calibri" panose="020F0502020204030204" pitchFamily="34" charset="0"/>
+              </a:rPr>
+              <a:t>Reminder – use PA3 to regain credit on PA1!</a:t>
+            </a:r>
+          </a:p>
+          <a:p>
+            <a:r>
+              <a:rPr lang="en-US" dirty="0" err="1">
+                <a:latin typeface="Calibri" panose="020F0502020204030204" pitchFamily="34" charset="0"/>
+                <a:cs typeface="Calibri" panose="020F0502020204030204" pitchFamily="34" charset="0"/>
+              </a:rPr>
+              <a:t>Stepik</a:t>
+            </a:r>
+            <a:r>
+              <a:rPr lang="en-US" dirty="0">
+                <a:latin typeface="Calibri" panose="020F0502020204030204" pitchFamily="34" charset="0"/>
+                <a:cs typeface="Calibri" panose="020F0502020204030204" pitchFamily="34" charset="0"/>
+              </a:rPr>
+              <a:t> Chapter 4 due Friday</a:t>
+            </a:r>
+            <a:br>
+              <a:rPr lang="en-US" dirty="0">
+                <a:latin typeface="Calibri" panose="020F0502020204030204" pitchFamily="34" charset="0"/>
+                <a:cs typeface="Calibri" panose="020F0502020204030204" pitchFamily="34" charset="0"/>
+              </a:rPr>
+            </a:br>
             <a:endParaRPr lang="en-US" dirty="0">
               <a:latin typeface="Calibri" panose="020F0502020204030204" pitchFamily="34" charset="0"/>
               <a:cs typeface="Calibri" panose="020F0502020204030204" pitchFamily="34" charset="0"/>
@@ -6604,18 +6636,11 @@
           </a:p>
           <a:p>
             <a:r>
-              <a:rPr lang="en-US" dirty="0" err="1">
-                <a:latin typeface="Calibri" panose="020F0502020204030204" pitchFamily="34" charset="0"/>
-                <a:cs typeface="Calibri" panose="020F0502020204030204" pitchFamily="34" charset="0"/>
-              </a:rPr>
-              <a:t>Stepik</a:t>
-            </a:r>
-            <a:r>
               <a:rPr lang="en-US" dirty="0">
                 <a:latin typeface="Calibri" panose="020F0502020204030204" pitchFamily="34" charset="0"/>
                 <a:cs typeface="Calibri" panose="020F0502020204030204" pitchFamily="34" charset="0"/>
               </a:rPr>
-              <a:t> Chapter 4 due Friday</a:t>
+              <a:t>PA2 and Test 1 grades released</a:t>
             </a:r>
             <a:endParaRPr lang="en-US" dirty="0"/>
           </a:p>
@@ -6993,6 +7018,9 @@
             </a:pPr>
             <a:r>
               <a:rPr lang="en-US" dirty="0">
+                <a:highlight>
+                  <a:srgbClr val="FFFF00"/>
+                </a:highlight>
                 <a:latin typeface="Consolas" panose="020B0609020204030204" pitchFamily="49" charset="0"/>
                 <a:cs typeface="Consolas" panose="020B0609020204030204" pitchFamily="49" charset="0"/>
               </a:rPr>
@@ -7095,7 +7123,7 @@
             </a:r>
             <a:r>
               <a:rPr lang="en-US" dirty="0" err="1"/>
-              <a:t>sum_evens</a:t>
+              <a:t>sum_alternate</a:t>
             </a:r>
             <a:endParaRPr lang="en-US" dirty="0"/>
           </a:p>
@@ -7448,6 +7476,9 @@
             </a:pPr>
             <a:r>
               <a:rPr lang="en-US" dirty="0" err="1">
+                <a:highlight>
+                  <a:srgbClr val="FFFF00"/>
+                </a:highlight>
                 <a:latin typeface="Consolas" panose="020B0609020204030204" pitchFamily="49" charset="0"/>
                 <a:cs typeface="Consolas" panose="020B0609020204030204" pitchFamily="49" charset="0"/>
               </a:rPr>
@@ -7455,6 +7486,9 @@
             </a:r>
             <a:r>
               <a:rPr lang="en-US" dirty="0">
+                <a:highlight>
+                  <a:srgbClr val="FFFF00"/>
+                </a:highlight>
                 <a:latin typeface="Consolas" panose="020B0609020204030204" pitchFamily="49" charset="0"/>
                 <a:cs typeface="Consolas" panose="020B0609020204030204" pitchFamily="49" charset="0"/>
               </a:rPr>
@@ -10174,6 +10208,9 @@
             </a:pPr>
             <a:r>
               <a:rPr lang="en-US" sz="1600" dirty="0">
+                <a:highlight>
+                  <a:srgbClr val="FFFF00"/>
+                </a:highlight>
                 <a:latin typeface="Consolas" panose="020B0609020204030204" pitchFamily="49" charset="0"/>
                 <a:cs typeface="Consolas" panose="020B0609020204030204" pitchFamily="49" charset="0"/>
               </a:rPr>
@@ -10186,6 +10223,9 @@
             </a:pPr>
             <a:r>
               <a:rPr lang="en-US" sz="1600" dirty="0">
+                <a:highlight>
+                  <a:srgbClr val="FFFF00"/>
+                </a:highlight>
                 <a:latin typeface="Consolas" panose="020B0609020204030204" pitchFamily="49" charset="0"/>
                 <a:cs typeface="Consolas" panose="020B0609020204030204" pitchFamily="49" charset="0"/>
               </a:rPr>
@@ -10198,6 +10238,9 @@
             </a:pPr>
             <a:r>
               <a:rPr lang="en-US" sz="1600" dirty="0">
+                <a:highlight>
+                  <a:srgbClr val="FFFF00"/>
+                </a:highlight>
                 <a:latin typeface="Consolas" panose="020B0609020204030204" pitchFamily="49" charset="0"/>
                 <a:cs typeface="Consolas" panose="020B0609020204030204" pitchFamily="49" charset="0"/>
               </a:rPr>
@@ -10205,6 +10248,9 @@
             </a:r>
             <a:r>
               <a:rPr lang="en-US" sz="1600" dirty="0" err="1">
+                <a:highlight>
+                  <a:srgbClr val="FFFF00"/>
+                </a:highlight>
                 <a:latin typeface="Consolas" panose="020B0609020204030204" pitchFamily="49" charset="0"/>
                 <a:cs typeface="Consolas" panose="020B0609020204030204" pitchFamily="49" charset="0"/>
               </a:rPr>
@@ -10212,6 +10258,9 @@
             </a:r>
             <a:r>
               <a:rPr lang="en-US" sz="1600" dirty="0">
+                <a:highlight>
+                  <a:srgbClr val="FFFF00"/>
+                </a:highlight>
                 <a:latin typeface="Consolas" panose="020B0609020204030204" pitchFamily="49" charset="0"/>
                 <a:cs typeface="Consolas" panose="020B0609020204030204" pitchFamily="49" charset="0"/>
               </a:rPr>
@@ -10224,6 +10273,9 @@
             </a:pPr>
             <a:r>
               <a:rPr lang="en-US" sz="1600" dirty="0">
+                <a:highlight>
+                  <a:srgbClr val="FFFF00"/>
+                </a:highlight>
                 <a:latin typeface="Consolas" panose="020B0609020204030204" pitchFamily="49" charset="0"/>
                 <a:cs typeface="Consolas" panose="020B0609020204030204" pitchFamily="49" charset="0"/>
               </a:rPr>
@@ -10231,6 +10283,9 @@
             </a:r>
             <a:r>
               <a:rPr lang="en-US" sz="1600" dirty="0" err="1">
+                <a:highlight>
+                  <a:srgbClr val="FFFF00"/>
+                </a:highlight>
                 <a:latin typeface="Consolas" panose="020B0609020204030204" pitchFamily="49" charset="0"/>
                 <a:cs typeface="Consolas" panose="020B0609020204030204" pitchFamily="49" charset="0"/>
               </a:rPr>
@@ -10238,6 +10293,9 @@
             </a:r>
             <a:r>
               <a:rPr lang="en-US" sz="1600" dirty="0">
+                <a:highlight>
+                  <a:srgbClr val="FFFF00"/>
+                </a:highlight>
                 <a:latin typeface="Consolas" panose="020B0609020204030204" pitchFamily="49" charset="0"/>
                 <a:cs typeface="Consolas" panose="020B0609020204030204" pitchFamily="49" charset="0"/>
               </a:rPr>
@@ -10355,6 +10413,30 @@
                 <a:cs typeface="Consolas" panose="020B0609020204030204" pitchFamily="49" charset="0"/>
               </a:rPr>
               <a:t>❱ java Example</a:t>
+            </a:r>
+          </a:p>
+          <a:p>
+            <a:pPr marL="0" indent="0">
+              <a:buNone/>
+            </a:pPr>
+            <a:r>
+              <a:rPr lang="en-US" sz="1600" dirty="0">
+                <a:latin typeface="Consolas" panose="020B0609020204030204" pitchFamily="49" charset="0"/>
+                <a:cs typeface="Consolas" panose="020B0609020204030204" pitchFamily="49" charset="0"/>
+              </a:rPr>
+              <a:t>10</a:t>
+            </a:r>
+          </a:p>
+          <a:p>
+            <a:pPr marL="0" indent="0">
+              <a:buNone/>
+            </a:pPr>
+            <a:r>
+              <a:rPr lang="en-US" sz="1600" dirty="0">
+                <a:latin typeface="Consolas" panose="020B0609020204030204" pitchFamily="49" charset="0"/>
+                <a:cs typeface="Consolas" panose="020B0609020204030204" pitchFamily="49" charset="0"/>
+              </a:rPr>
+              <a:t>50</a:t>
             </a:r>
           </a:p>
           <a:p>
